--- a/OptimisingCerealProduction.pptx
+++ b/OptimisingCerealProduction.pptx
@@ -115,6 +115,11 @@
       </a:defRPr>
     </a:lvl9pPr>
   </p:defaultTextStyle>
+  <p:extLst>
+    <p:ext uri="{EFAFB233-063F-42B5-8137-9DF3F51BA10A}">
+      <p15:sldGuideLst xmlns:p15="http://schemas.microsoft.com/office/powerpoint/2012/main"/>
+    </p:ext>
+  </p:extLst>
 </p:presentation>
 </file>
 
@@ -511,6 +516,90 @@
           <a:bodyPr/>
           <a:lstStyle/>
           <a:p>
+            <a:endParaRPr lang="en-US" dirty="0"/>
+          </a:p>
+        </p:txBody>
+      </p:sp>
+      <p:sp>
+        <p:nvSpPr>
+          <p:cNvPr id="4" name="Slide Number Placeholder 3"/>
+          <p:cNvSpPr>
+            <a:spLocks noGrp="1"/>
+          </p:cNvSpPr>
+          <p:nvPr>
+            <p:ph type="sldNum" sz="quarter" idx="10"/>
+          </p:nvPr>
+        </p:nvSpPr>
+        <p:spPr/>
+        <p:txBody>
+          <a:bodyPr/>
+          <a:lstStyle/>
+          <a:p>
+            <a:fld id="{0AB41556-2D10-D446-995A-C2296AD4CD7F}" type="slidenum">
+              <a:rPr lang="en-US" smtClean="0"/>
+              <a:t>1</a:t>
+            </a:fld>
+            <a:endParaRPr lang="en-US"/>
+          </a:p>
+        </p:txBody>
+      </p:sp>
+    </p:spTree>
+    <p:extLst>
+      <p:ext uri="{BB962C8B-B14F-4D97-AF65-F5344CB8AC3E}">
+        <p14:creationId xmlns:p14="http://schemas.microsoft.com/office/powerpoint/2010/main" val="3937104312"/>
+      </p:ext>
+    </p:extLst>
+  </p:cSld>
+  <p:clrMapOvr>
+    <a:masterClrMapping/>
+  </p:clrMapOvr>
+</p:notes>
+</file>
+
+<file path=ppt/notesSlides/notesSlide2.xml><?xml version="1.0" encoding="utf-8"?>
+<p:notes xmlns:a="http://schemas.openxmlformats.org/drawingml/2006/main" xmlns:r="http://schemas.openxmlformats.org/officeDocument/2006/relationships" xmlns:p="http://schemas.openxmlformats.org/presentationml/2006/main">
+  <p:cSld>
+    <p:spTree>
+      <p:nvGrpSpPr>
+        <p:cNvPr id="1" name=""/>
+        <p:cNvGrpSpPr/>
+        <p:nvPr/>
+      </p:nvGrpSpPr>
+      <p:grpSpPr>
+        <a:xfrm>
+          <a:off x="0" y="0"/>
+          <a:ext cx="0" cy="0"/>
+          <a:chOff x="0" y="0"/>
+          <a:chExt cx="0" cy="0"/>
+        </a:xfrm>
+      </p:grpSpPr>
+      <p:sp>
+        <p:nvSpPr>
+          <p:cNvPr id="2" name="Slide Image Placeholder 1"/>
+          <p:cNvSpPr>
+            <a:spLocks noGrp="1" noRot="1" noChangeAspect="1"/>
+          </p:cNvSpPr>
+          <p:nvPr>
+            <p:ph type="sldImg"/>
+          </p:nvPr>
+        </p:nvSpPr>
+        <p:spPr/>
+      </p:sp>
+      <p:sp>
+        <p:nvSpPr>
+          <p:cNvPr id="3" name="Notes Placeholder 2"/>
+          <p:cNvSpPr>
+            <a:spLocks noGrp="1"/>
+          </p:cNvSpPr>
+          <p:nvPr>
+            <p:ph type="body" idx="1"/>
+          </p:nvPr>
+        </p:nvSpPr>
+        <p:spPr/>
+        <p:txBody>
+          <a:bodyPr/>
+          <a:lstStyle/>
+          <a:p>
             <a:r>
               <a:rPr lang="en-US" dirty="0"/>
               <a:t>Even after a large proportion of population in Asia and Africa is involved in cereal production, the yields don’t fruition to economic prosperity of farmers</a:t>
@@ -554,7 +643,7 @@
 </p:notes>
 </file>
 
-<file path=ppt/notesSlides/notesSlide2.xml><?xml version="1.0" encoding="utf-8"?>
+<file path=ppt/notesSlides/notesSlide3.xml><?xml version="1.0" encoding="utf-8"?>
 <p:notes xmlns:a="http://schemas.openxmlformats.org/drawingml/2006/main" xmlns:r="http://schemas.openxmlformats.org/officeDocument/2006/relationships" xmlns:p="http://schemas.openxmlformats.org/presentationml/2006/main">
   <p:cSld>
     <p:spTree>
@@ -3354,9 +3443,28 @@
 <p:sldMaster xmlns:a="http://schemas.openxmlformats.org/drawingml/2006/main" xmlns:r="http://schemas.openxmlformats.org/officeDocument/2006/relationships" xmlns:p="http://schemas.openxmlformats.org/presentationml/2006/main">
   <p:cSld>
     <p:bg>
-      <p:bgRef idx="1001">
-        <a:schemeClr val="bg1"/>
-      </p:bgRef>
+      <p:bgPr>
+        <a:blipFill dpi="0" rotWithShape="1">
+          <a:blip r:embed="rId14">
+            <a:extLst>
+              <a:ext uri="{BEBA8EAE-BF5A-486C-A8C5-ECC9F3942E4B}">
+                <a14:imgProps xmlns:a14="http://schemas.microsoft.com/office/drawing/2010/main">
+                  <a14:imgLayer r:embed="rId15">
+                    <a14:imgEffect>
+                      <a14:brightnessContrast bright="-32000"/>
+                    </a14:imgEffect>
+                  </a14:imgLayer>
+                </a14:imgProps>
+              </a:ext>
+            </a:extLst>
+          </a:blip>
+          <a:srcRect/>
+          <a:stretch>
+            <a:fillRect/>
+          </a:stretch>
+        </a:blipFill>
+        <a:effectLst/>
+      </p:bgPr>
     </p:bg>
     <p:spTree>
       <p:nvGrpSpPr>
@@ -4388,7 +4496,7 @@
                 <a14:imgProps xmlns:a14="http://schemas.microsoft.com/office/drawing/2010/main">
                   <a14:imgLayer r:embed="rId3">
                     <a14:imgEffect>
-                      <a14:brightnessContrast bright="-15000"/>
+                      <a14:brightnessContrast bright="-32000"/>
                     </a14:imgEffect>
                   </a14:imgLayer>
                 </a14:imgProps>
@@ -4407,6 +4515,24 @@
           <a:prstGeom prst="rect">
             <a:avLst/>
           </a:prstGeom>
+          <a:blipFill>
+            <a:blip r:embed="rId2">
+              <a:extLst>
+                <a:ext uri="{BEBA8EAE-BF5A-486C-A8C5-ECC9F3942E4B}">
+                  <a14:imgProps xmlns:a14="http://schemas.microsoft.com/office/drawing/2010/main">
+                    <a14:imgLayer r:embed="rId4">
+                      <a14:imgEffect>
+                        <a14:brightnessContrast bright="-32000"/>
+                      </a14:imgEffect>
+                    </a14:imgLayer>
+                  </a14:imgProps>
+                </a:ext>
+              </a:extLst>
+            </a:blip>
+            <a:stretch>
+              <a:fillRect/>
+            </a:stretch>
+          </a:blipFill>
           <a:effectLst>
             <a:outerShdw blurRad="50800" dist="50800" dir="5400000" algn="ctr" rotWithShape="0">
               <a:schemeClr val="bg1">
@@ -4555,6 +4681,45 @@
                 <a:schemeClr val="bg1"/>
               </a:solidFill>
             </a:endParaRPr>
+          </a:p>
+        </p:txBody>
+      </p:sp>
+      <p:sp>
+        <p:nvSpPr>
+          <p:cNvPr id="9" name="TextBox 8">
+            <a:extLst>
+              <a:ext uri="{FF2B5EF4-FFF2-40B4-BE49-F238E27FC236}">
+                <a16:creationId xmlns:a16="http://schemas.microsoft.com/office/drawing/2014/main" id="{25A9CB94-2A18-924C-B3A8-4426D80D1123}"/>
+              </a:ext>
+            </a:extLst>
+          </p:cNvPr>
+          <p:cNvSpPr txBox="1"/>
+          <p:nvPr/>
+        </p:nvSpPr>
+        <p:spPr>
+          <a:xfrm>
+            <a:off x="4465552" y="501796"/>
+            <a:ext cx="3260893" cy="769441"/>
+          </a:xfrm>
+          <a:prstGeom prst="rect">
+            <a:avLst/>
+          </a:prstGeom>
+          <a:noFill/>
+        </p:spPr>
+        <p:txBody>
+          <a:bodyPr wrap="none" rtlCol="0">
+            <a:spAutoFit/>
+          </a:bodyPr>
+          <a:lstStyle/>
+          <a:p>
+            <a:r>
+              <a:rPr lang="en-US" sz="4400" b="1" dirty="0">
+                <a:solidFill>
+                  <a:schemeClr val="bg1"/>
+                </a:solidFill>
+              </a:rPr>
+              <a:t>MOTIVATION</a:t>
+            </a:r>
           </a:p>
         </p:txBody>
       </p:sp>
@@ -4906,30 +5071,6 @@
 <file path=ppt/slides/slide3.xml><?xml version="1.0" encoding="utf-8"?>
 <p:sld xmlns:a="http://schemas.openxmlformats.org/drawingml/2006/main" xmlns:r="http://schemas.openxmlformats.org/officeDocument/2006/relationships" xmlns:p="http://schemas.openxmlformats.org/presentationml/2006/main">
   <p:cSld>
-    <p:bg>
-      <p:bgPr>
-        <a:blipFill dpi="0" rotWithShape="1">
-          <a:blip r:embed="rId2">
-            <a:extLst>
-              <a:ext uri="{BEBA8EAE-BF5A-486C-A8C5-ECC9F3942E4B}">
-                <a14:imgProps xmlns:a14="http://schemas.microsoft.com/office/drawing/2010/main">
-                  <a14:imgLayer r:embed="rId3">
-                    <a14:imgEffect>
-                      <a14:brightnessContrast bright="-15000"/>
-                    </a14:imgEffect>
-                  </a14:imgLayer>
-                </a14:imgProps>
-              </a:ext>
-            </a:extLst>
-          </a:blip>
-          <a:srcRect/>
-          <a:stretch>
-            <a:fillRect t="-3000" b="-3000"/>
-          </a:stretch>
-        </a:blipFill>
-        <a:effectLst/>
-      </p:bgPr>
-    </p:bg>
     <p:spTree>
       <p:nvGrpSpPr>
         <p:cNvPr id="1" name=""/>
@@ -4966,9 +5107,9 @@
               <a:extLst>
                 <a:ext uri="{BEBA8EAE-BF5A-486C-A8C5-ECC9F3942E4B}">
                   <a14:imgProps xmlns:a14="http://schemas.microsoft.com/office/drawing/2010/main">
-                    <a14:imgLayer r:embed="rId4">
+                    <a14:imgLayer r:embed="rId3">
                       <a14:imgEffect>
-                        <a14:brightnessContrast bright="-15000"/>
+                        <a14:brightnessContrast bright="-32000"/>
                       </a14:imgEffect>
                     </a14:imgLayer>
                   </a14:imgProps>
@@ -5098,7 +5239,7 @@
         <p:spPr>
           <a:xfrm>
             <a:off x="784481" y="4015790"/>
-            <a:ext cx="7409657" cy="923330"/>
+            <a:ext cx="8168133" cy="923330"/>
           </a:xfrm>
           <a:prstGeom prst="rect">
             <a:avLst/>
@@ -5117,7 +5258,7 @@
                   <a:schemeClr val="bg1"/>
                 </a:solidFill>
               </a:rPr>
-              <a:t>Cereal is a big part of it !!</a:t>
+              <a:t>Cereals are a big part of it !!</a:t>
             </a:r>
           </a:p>
         </p:txBody>
@@ -5308,29 +5449,6 @@
 <file path=ppt/slides/slide4.xml><?xml version="1.0" encoding="utf-8"?>
 <p:sld xmlns:a="http://schemas.openxmlformats.org/drawingml/2006/main" xmlns:r="http://schemas.openxmlformats.org/officeDocument/2006/relationships" xmlns:p="http://schemas.openxmlformats.org/presentationml/2006/main">
   <p:cSld>
-    <p:bg>
-      <p:bgPr>
-        <a:blipFill>
-          <a:blip r:embed="rId3">
-            <a:extLst>
-              <a:ext uri="{BEBA8EAE-BF5A-486C-A8C5-ECC9F3942E4B}">
-                <a14:imgProps xmlns:a14="http://schemas.microsoft.com/office/drawing/2010/main">
-                  <a14:imgLayer r:embed="rId4">
-                    <a14:imgEffect>
-                      <a14:brightnessContrast bright="-15000"/>
-                    </a14:imgEffect>
-                  </a14:imgLayer>
-                </a14:imgProps>
-              </a:ext>
-            </a:extLst>
-          </a:blip>
-          <a:stretch>
-            <a:fillRect/>
-          </a:stretch>
-        </a:blipFill>
-        <a:effectLst/>
-      </p:bgPr>
-    </p:bg>
     <p:spTree>
       <p:nvGrpSpPr>
         <p:cNvPr id="1" name=""/>
@@ -5757,20 +5875,6 @@
 <file path=ppt/slides/slide5.xml><?xml version="1.0" encoding="utf-8"?>
 <p:sld xmlns:a="http://schemas.openxmlformats.org/drawingml/2006/main" xmlns:r="http://schemas.openxmlformats.org/officeDocument/2006/relationships" xmlns:p="http://schemas.openxmlformats.org/presentationml/2006/main">
   <p:cSld>
-    <p:bg>
-      <p:bgPr>
-        <a:blipFill dpi="0" rotWithShape="1">
-          <a:blip r:embed="rId3">
-            <a:lum/>
-          </a:blip>
-          <a:srcRect/>
-          <a:stretch>
-            <a:fillRect l="-3000" r="-3000"/>
-          </a:stretch>
-        </a:blipFill>
-        <a:effectLst/>
-      </p:bgPr>
-    </p:bg>
     <p:spTree>
       <p:nvGrpSpPr>
         <p:cNvPr id="1" name=""/>
@@ -5785,24 +5889,31 @@
           <a:chExt cx="0" cy="0"/>
         </a:xfrm>
       </p:grpSpPr>
-      <p:sp>
-        <p:nvSpPr>
-          <p:cNvPr id="2" name="Picture Placeholder 1">
+      <p:pic>
+        <p:nvPicPr>
+          <p:cNvPr id="4" name="Picture Placeholder 3">
             <a:extLst>
               <a:ext uri="{FF2B5EF4-FFF2-40B4-BE49-F238E27FC236}">
-                <a16:creationId xmlns:a16="http://schemas.microsoft.com/office/drawing/2014/main" id="{F6BA9078-7781-FE4C-9896-F47DD04028E7}"/>
+                <a16:creationId xmlns:a16="http://schemas.microsoft.com/office/drawing/2014/main" id="{58474738-52CB-A24D-81B3-0E194FDC884C}"/>
               </a:ext>
             </a:extLst>
           </p:cNvPr>
-          <p:cNvSpPr>
-            <a:spLocks noGrp="1"/>
-          </p:cNvSpPr>
+          <p:cNvPicPr>
+            <a:picLocks noGrp="1" noChangeAspect="1"/>
+          </p:cNvPicPr>
           <p:nvPr>
             <p:ph type="pic" sz="quarter" idx="10"/>
           </p:nvPr>
-        </p:nvSpPr>
+        </p:nvPicPr>
+        <p:blipFill>
+          <a:blip r:embed="rId3"/>
+          <a:srcRect l="3108" r="3108"/>
+          <a:stretch>
+            <a:fillRect/>
+          </a:stretch>
+        </p:blipFill>
         <p:spPr/>
-      </p:sp>
+      </p:pic>
     </p:spTree>
     <p:extLst>
       <p:ext uri="{BB962C8B-B14F-4D97-AF65-F5344CB8AC3E}">
@@ -5819,29 +5930,6 @@
 <file path=ppt/slides/slide6.xml><?xml version="1.0" encoding="utf-8"?>
 <p:sld xmlns:a="http://schemas.openxmlformats.org/drawingml/2006/main" xmlns:r="http://schemas.openxmlformats.org/officeDocument/2006/relationships" xmlns:p="http://schemas.openxmlformats.org/presentationml/2006/main">
   <p:cSld>
-    <p:bg>
-      <p:bgPr>
-        <a:blipFill>
-          <a:blip r:embed="rId2">
-            <a:extLst>
-              <a:ext uri="{BEBA8EAE-BF5A-486C-A8C5-ECC9F3942E4B}">
-                <a14:imgProps xmlns:a14="http://schemas.microsoft.com/office/drawing/2010/main">
-                  <a14:imgLayer r:embed="rId3">
-                    <a14:imgEffect>
-                      <a14:brightnessContrast bright="-15000"/>
-                    </a14:imgEffect>
-                  </a14:imgLayer>
-                </a14:imgProps>
-              </a:ext>
-            </a:extLst>
-          </a:blip>
-          <a:stretch>
-            <a:fillRect/>
-          </a:stretch>
-        </a:blipFill>
-        <a:effectLst/>
-      </p:bgPr>
-    </p:bg>
     <p:spTree>
       <p:nvGrpSpPr>
         <p:cNvPr id="1" name=""/>
@@ -6318,29 +6406,6 @@
 <file path=ppt/slides/slide7.xml><?xml version="1.0" encoding="utf-8"?>
 <p:sld xmlns:a="http://schemas.openxmlformats.org/drawingml/2006/main" xmlns:r="http://schemas.openxmlformats.org/officeDocument/2006/relationships" xmlns:p="http://schemas.openxmlformats.org/presentationml/2006/main">
   <p:cSld>
-    <p:bg>
-      <p:bgPr>
-        <a:blipFill>
-          <a:blip r:embed="rId2">
-            <a:extLst>
-              <a:ext uri="{BEBA8EAE-BF5A-486C-A8C5-ECC9F3942E4B}">
-                <a14:imgProps xmlns:a14="http://schemas.microsoft.com/office/drawing/2010/main">
-                  <a14:imgLayer r:embed="rId3">
-                    <a14:imgEffect>
-                      <a14:brightnessContrast bright="-15000"/>
-                    </a14:imgEffect>
-                  </a14:imgLayer>
-                </a14:imgProps>
-              </a:ext>
-            </a:extLst>
-          </a:blip>
-          <a:stretch>
-            <a:fillRect/>
-          </a:stretch>
-        </a:blipFill>
-        <a:effectLst/>
-      </p:bgPr>
-    </p:bg>
     <p:spTree>
       <p:nvGrpSpPr>
         <p:cNvPr id="1" name=""/>
@@ -6929,29 +6994,6 @@
 <file path=ppt/slides/slide8.xml><?xml version="1.0" encoding="utf-8"?>
 <p:sld xmlns:a="http://schemas.openxmlformats.org/drawingml/2006/main" xmlns:r="http://schemas.openxmlformats.org/officeDocument/2006/relationships" xmlns:p="http://schemas.openxmlformats.org/presentationml/2006/main">
   <p:cSld>
-    <p:bg>
-      <p:bgPr>
-        <a:blipFill>
-          <a:blip r:embed="rId2">
-            <a:extLst>
-              <a:ext uri="{BEBA8EAE-BF5A-486C-A8C5-ECC9F3942E4B}">
-                <a14:imgProps xmlns:a14="http://schemas.microsoft.com/office/drawing/2010/main">
-                  <a14:imgLayer r:embed="rId3">
-                    <a14:imgEffect>
-                      <a14:brightnessContrast bright="-15000"/>
-                    </a14:imgEffect>
-                  </a14:imgLayer>
-                </a14:imgProps>
-              </a:ext>
-            </a:extLst>
-          </a:blip>
-          <a:stretch>
-            <a:fillRect/>
-          </a:stretch>
-        </a:blipFill>
-        <a:effectLst/>
-      </p:bgPr>
-    </p:bg>
     <p:spTree>
       <p:nvGrpSpPr>
         <p:cNvPr id="1" name=""/>
@@ -7466,29 +7508,6 @@
 <file path=ppt/slides/slide9.xml><?xml version="1.0" encoding="utf-8"?>
 <p:sld xmlns:a="http://schemas.openxmlformats.org/drawingml/2006/main" xmlns:r="http://schemas.openxmlformats.org/officeDocument/2006/relationships" xmlns:p="http://schemas.openxmlformats.org/presentationml/2006/main">
   <p:cSld>
-    <p:bg>
-      <p:bgPr>
-        <a:blipFill>
-          <a:blip r:embed="rId2">
-            <a:extLst>
-              <a:ext uri="{BEBA8EAE-BF5A-486C-A8C5-ECC9F3942E4B}">
-                <a14:imgProps xmlns:a14="http://schemas.microsoft.com/office/drawing/2010/main">
-                  <a14:imgLayer r:embed="rId3">
-                    <a14:imgEffect>
-                      <a14:brightnessContrast bright="-15000"/>
-                    </a14:imgEffect>
-                  </a14:imgLayer>
-                </a14:imgProps>
-              </a:ext>
-            </a:extLst>
-          </a:blip>
-          <a:stretch>
-            <a:fillRect/>
-          </a:stretch>
-        </a:blipFill>
-        <a:effectLst/>
-      </p:bgPr>
-    </p:bg>
     <p:spTree>
       <p:nvGrpSpPr>
         <p:cNvPr id="1" name=""/>

--- a/OptimisingCerealProduction.pptx
+++ b/OptimisingCerealProduction.pptx
@@ -16,7 +16,7 @@
     <p:sldId id="266" r:id="rId7"/>
     <p:sldId id="261" r:id="rId8"/>
     <p:sldId id="262" r:id="rId9"/>
-    <p:sldId id="267" r:id="rId10"/>
+    <p:sldId id="268" r:id="rId10"/>
   </p:sldIdLst>
   <p:sldSz cx="12192000" cy="6858000"/>
   <p:notesSz cx="6858000" cy="9144000"/>
@@ -205,7 +205,7 @@
           <a:p>
             <a:fld id="{1BE5E1BF-341A-DC42-806A-8C60AD490205}" type="datetimeFigureOut">
               <a:rPr lang="en-US" smtClean="0"/>
-              <a:t>5/9/18</a:t>
+              <a:t>5/9/2018</a:t>
             </a:fld>
             <a:endParaRPr lang="en-US"/>
           </a:p>
@@ -877,7 +877,7 @@
           <a:p>
             <a:fld id="{11313FC5-3D18-E34A-8895-F4877EF51C8E}" type="datetimeFigureOut">
               <a:rPr lang="en-US" smtClean="0"/>
-              <a:t>5/9/18</a:t>
+              <a:t>5/9/2018</a:t>
             </a:fld>
             <a:endParaRPr lang="en-US"/>
           </a:p>
@@ -1075,7 +1075,7 @@
           <a:p>
             <a:fld id="{11313FC5-3D18-E34A-8895-F4877EF51C8E}" type="datetimeFigureOut">
               <a:rPr lang="en-US" smtClean="0"/>
-              <a:t>5/9/18</a:t>
+              <a:t>5/9/2018</a:t>
             </a:fld>
             <a:endParaRPr lang="en-US"/>
           </a:p>
@@ -1283,7 +1283,7 @@
           <a:p>
             <a:fld id="{11313FC5-3D18-E34A-8895-F4877EF51C8E}" type="datetimeFigureOut">
               <a:rPr lang="en-US" smtClean="0"/>
-              <a:t>5/9/18</a:t>
+              <a:t>5/9/2018</a:t>
             </a:fld>
             <a:endParaRPr lang="en-US"/>
           </a:p>
@@ -1561,7 +1561,7 @@
           <a:p>
             <a:fld id="{11313FC5-3D18-E34A-8895-F4877EF51C8E}" type="datetimeFigureOut">
               <a:rPr lang="en-US" smtClean="0"/>
-              <a:t>5/9/18</a:t>
+              <a:t>5/9/2018</a:t>
             </a:fld>
             <a:endParaRPr lang="en-US"/>
           </a:p>
@@ -1836,7 +1836,7 @@
           <a:p>
             <a:fld id="{11313FC5-3D18-E34A-8895-F4877EF51C8E}" type="datetimeFigureOut">
               <a:rPr lang="en-US" smtClean="0"/>
-              <a:t>5/9/18</a:t>
+              <a:t>5/9/2018</a:t>
             </a:fld>
             <a:endParaRPr lang="en-US"/>
           </a:p>
@@ -2101,7 +2101,7 @@
           <a:p>
             <a:fld id="{11313FC5-3D18-E34A-8895-F4877EF51C8E}" type="datetimeFigureOut">
               <a:rPr lang="en-US" smtClean="0"/>
-              <a:t>5/9/18</a:t>
+              <a:t>5/9/2018</a:t>
             </a:fld>
             <a:endParaRPr lang="en-US"/>
           </a:p>
@@ -2513,7 +2513,7 @@
           <a:p>
             <a:fld id="{11313FC5-3D18-E34A-8895-F4877EF51C8E}" type="datetimeFigureOut">
               <a:rPr lang="en-US" smtClean="0"/>
-              <a:t>5/9/18</a:t>
+              <a:t>5/9/2018</a:t>
             </a:fld>
             <a:endParaRPr lang="en-US"/>
           </a:p>
@@ -2654,7 +2654,7 @@
           <a:p>
             <a:fld id="{11313FC5-3D18-E34A-8895-F4877EF51C8E}" type="datetimeFigureOut">
               <a:rPr lang="en-US" smtClean="0"/>
-              <a:t>5/9/18</a:t>
+              <a:t>5/9/2018</a:t>
             </a:fld>
             <a:endParaRPr lang="en-US"/>
           </a:p>
@@ -2767,7 +2767,7 @@
           <a:p>
             <a:fld id="{11313FC5-3D18-E34A-8895-F4877EF51C8E}" type="datetimeFigureOut">
               <a:rPr lang="en-US" smtClean="0"/>
-              <a:t>5/9/18</a:t>
+              <a:t>5/9/2018</a:t>
             </a:fld>
             <a:endParaRPr lang="en-US"/>
           </a:p>
@@ -3078,7 +3078,7 @@
           <a:p>
             <a:fld id="{11313FC5-3D18-E34A-8895-F4877EF51C8E}" type="datetimeFigureOut">
               <a:rPr lang="en-US" smtClean="0"/>
-              <a:t>5/9/18</a:t>
+              <a:t>5/9/2018</a:t>
             </a:fld>
             <a:endParaRPr lang="en-US"/>
           </a:p>
@@ -3366,7 +3366,7 @@
           <a:p>
             <a:fld id="{11313FC5-3D18-E34A-8895-F4877EF51C8E}" type="datetimeFigureOut">
               <a:rPr lang="en-US" smtClean="0"/>
-              <a:t>5/9/18</a:t>
+              <a:t>5/9/2018</a:t>
             </a:fld>
             <a:endParaRPr lang="en-US"/>
           </a:p>
@@ -3626,7 +3626,7 @@
           <a:p>
             <a:fld id="{11313FC5-3D18-E34A-8895-F4877EF51C8E}" type="datetimeFigureOut">
               <a:rPr lang="en-US" smtClean="0"/>
-              <a:t>5/9/18</a:t>
+              <a:t>5/9/2018</a:t>
             </a:fld>
             <a:endParaRPr lang="en-US"/>
           </a:p>
@@ -7561,10 +7561,198 @@
           </a:p>
         </p:txBody>
       </p:sp>
+      <p:pic>
+        <p:nvPicPr>
+          <p:cNvPr id="6" name="Picture 5">
+            <a:extLst>
+              <a:ext uri="{FF2B5EF4-FFF2-40B4-BE49-F238E27FC236}">
+                <a16:creationId xmlns:a16="http://schemas.microsoft.com/office/drawing/2014/main" id="{6B3885EE-C383-4AE1-8086-FD4C45D12D7E}"/>
+              </a:ext>
+            </a:extLst>
+          </p:cNvPr>
+          <p:cNvPicPr>
+            <a:picLocks noChangeAspect="1"/>
+          </p:cNvPicPr>
+          <p:nvPr/>
+        </p:nvPicPr>
+        <p:blipFill>
+          <a:blip r:embed="rId2"/>
+          <a:stretch>
+            <a:fillRect/>
+          </a:stretch>
+        </p:blipFill>
+        <p:spPr>
+          <a:xfrm>
+            <a:off x="5614889" y="1494099"/>
+            <a:ext cx="5249564" cy="3869802"/>
+          </a:xfrm>
+          <a:prstGeom prst="rect">
+            <a:avLst/>
+          </a:prstGeom>
+        </p:spPr>
+      </p:pic>
+      <mc:AlternateContent xmlns:mc="http://schemas.openxmlformats.org/markup-compatibility/2006">
+        <mc:Choice xmlns:a14="http://schemas.microsoft.com/office/drawing/2010/main" Requires="a14">
+          <p:sp>
+            <p:nvSpPr>
+              <p:cNvPr id="8" name="TextBox 7">
+                <a:extLst>
+                  <a:ext uri="{FF2B5EF4-FFF2-40B4-BE49-F238E27FC236}">
+                    <a16:creationId xmlns:a16="http://schemas.microsoft.com/office/drawing/2014/main" id="{D2812819-2141-45BD-9BAC-9E8329A3EFF6}"/>
+                  </a:ext>
+                </a:extLst>
+              </p:cNvPr>
+              <p:cNvSpPr txBox="1"/>
+              <p:nvPr/>
+            </p:nvSpPr>
+            <p:spPr>
+              <a:xfrm>
+                <a:off x="975765" y="2619579"/>
+                <a:ext cx="4283242" cy="2316660"/>
+              </a:xfrm>
+              <a:prstGeom prst="rect">
+                <a:avLst/>
+              </a:prstGeom>
+              <a:noFill/>
+            </p:spPr>
+            <p:txBody>
+              <a:bodyPr wrap="square" rtlCol="0">
+                <a:spAutoFit/>
+              </a:bodyPr>
+              <a:lstStyle/>
+              <a:p>
+                <a:r>
+                  <a:rPr lang="en-US" sz="2400" b="1" dirty="0">
+                    <a:ln>
+                      <a:solidFill>
+                        <a:schemeClr val="tx1"/>
+                      </a:solidFill>
+                    </a:ln>
+                    <a:solidFill>
+                      <a:schemeClr val="bg1"/>
+                    </a:solidFill>
+                  </a:rPr>
+                  <a:t>Linear Regression on a subset of the variables produces a highly accurate model. The resulting model has a mean </a:t>
+                </a:r>
+                <a14:m>
+                  <m:oMath xmlns:m="http://schemas.openxmlformats.org/officeDocument/2006/math">
+                    <m:sSup>
+                      <m:sSupPr>
+                        <m:ctrlPr>
+                          <a:rPr lang="en-US" sz="2400" b="1" i="1" smtClean="0">
+                            <a:ln>
+                              <a:solidFill>
+                                <a:schemeClr val="tx1"/>
+                              </a:solidFill>
+                            </a:ln>
+                            <a:solidFill>
+                              <a:schemeClr val="bg1"/>
+                            </a:solidFill>
+                            <a:latin typeface="Cambria Math" panose="02040503050406030204" pitchFamily="18" charset="0"/>
+                          </a:rPr>
+                        </m:ctrlPr>
+                      </m:sSupPr>
+                      <m:e>
+                        <m:r>
+                          <a:rPr lang="en-US" sz="2400" b="1" i="1" smtClean="0">
+                            <a:ln>
+                              <a:solidFill>
+                                <a:schemeClr val="tx1"/>
+                              </a:solidFill>
+                            </a:ln>
+                            <a:solidFill>
+                              <a:schemeClr val="bg1"/>
+                            </a:solidFill>
+                            <a:latin typeface="Cambria Math" panose="02040503050406030204" pitchFamily="18" charset="0"/>
+                          </a:rPr>
+                          <m:t>𝑹</m:t>
+                        </m:r>
+                      </m:e>
+                      <m:sup>
+                        <m:r>
+                          <a:rPr lang="en-US" sz="2400" b="1" i="1" smtClean="0">
+                            <a:ln>
+                              <a:solidFill>
+                                <a:schemeClr val="tx1"/>
+                              </a:solidFill>
+                            </a:ln>
+                            <a:solidFill>
+                              <a:schemeClr val="bg1"/>
+                            </a:solidFill>
+                            <a:latin typeface="Cambria Math" panose="02040503050406030204" pitchFamily="18" charset="0"/>
+                          </a:rPr>
+                          <m:t>𝟐</m:t>
+                        </m:r>
+                      </m:sup>
+                    </m:sSup>
+                  </m:oMath>
+                </a14:m>
+                <a:r>
+                  <a:rPr lang="en-US" sz="2400" b="1" dirty="0">
+                    <a:ln>
+                      <a:solidFill>
+                        <a:schemeClr val="tx1"/>
+                      </a:solidFill>
+                    </a:ln>
+                    <a:solidFill>
+                      <a:schemeClr val="bg1"/>
+                    </a:solidFill>
+                  </a:rPr>
+                  <a:t> of 0.969 indicating a high degree of accuracy</a:t>
+                </a:r>
+              </a:p>
+            </p:txBody>
+          </p:sp>
+        </mc:Choice>
+        <mc:Fallback>
+          <p:sp>
+            <p:nvSpPr>
+              <p:cNvPr id="8" name="TextBox 7">
+                <a:extLst>
+                  <a:ext uri="{FF2B5EF4-FFF2-40B4-BE49-F238E27FC236}">
+                    <a16:creationId xmlns:a16="http://schemas.microsoft.com/office/drawing/2014/main" id="{D2812819-2141-45BD-9BAC-9E8329A3EFF6}"/>
+                  </a:ext>
+                </a:extLst>
+              </p:cNvPr>
+              <p:cNvSpPr txBox="1">
+                <a:spLocks noRot="1" noChangeAspect="1" noMove="1" noResize="1" noEditPoints="1" noAdjustHandles="1" noChangeArrowheads="1" noChangeShapeType="1" noTextEdit="1"/>
+              </p:cNvSpPr>
+              <p:nvPr/>
+            </p:nvSpPr>
+            <p:spPr>
+              <a:xfrm>
+                <a:off x="975765" y="2619579"/>
+                <a:ext cx="4283242" cy="2316660"/>
+              </a:xfrm>
+              <a:prstGeom prst="rect">
+                <a:avLst/>
+              </a:prstGeom>
+              <a:blipFill>
+                <a:blip r:embed="rId3"/>
+                <a:stretch>
+                  <a:fillRect/>
+                </a:stretch>
+              </a:blipFill>
+            </p:spPr>
+            <p:txBody>
+              <a:bodyPr/>
+              <a:lstStyle/>
+              <a:p>
+                <a:r>
+                  <a:rPr lang="en-US">
+                    <a:noFill/>
+                  </a:rPr>
+                  <a:t> </a:t>
+                </a:r>
+              </a:p>
+            </p:txBody>
+          </p:sp>
+        </mc:Fallback>
+      </mc:AlternateContent>
     </p:spTree>
     <p:extLst>
       <p:ext uri="{BB962C8B-B14F-4D97-AF65-F5344CB8AC3E}">
-        <p14:creationId xmlns:p14="http://schemas.microsoft.com/office/powerpoint/2010/main" val="4089872734"/>
+        <p14:creationId xmlns:p14="http://schemas.microsoft.com/office/powerpoint/2010/main" val="3894045929"/>
       </p:ext>
     </p:extLst>
   </p:cSld>
